--- a/classes/prog2020/Lab04.pptx
+++ b/classes/prog2020/Lab04.pptx
@@ -214,7 +214,7 @@
           <a:p>
             <a:fld id="{9EFFC0FB-7639-47C5-BBA7-E4DB55049B02}" type="datetimeFigureOut">
               <a:rPr lang="en-US" smtClean="0"/>
-              <a:t>10/6/2020</a:t>
+              <a:t>10/7/2020</a:t>
             </a:fld>
             <a:endParaRPr lang="en-US"/>
           </a:p>
@@ -1175,7 +1175,7 @@
             <a:fld id="{1D8BD707-D9CF-40AE-B4C6-C98DA3205C09}" type="datetimeFigureOut">
               <a:rPr lang="en-US" smtClean="0"/>
               <a:pPr/>
-              <a:t>10/6/2020</a:t>
+              <a:t>10/7/2020</a:t>
             </a:fld>
             <a:endParaRPr lang="en-US"/>
           </a:p>
@@ -1340,7 +1340,7 @@
             <a:fld id="{1D8BD707-D9CF-40AE-B4C6-C98DA3205C09}" type="datetimeFigureOut">
               <a:rPr lang="en-US" smtClean="0"/>
               <a:pPr/>
-              <a:t>10/6/2020</a:t>
+              <a:t>10/7/2020</a:t>
             </a:fld>
             <a:endParaRPr lang="en-US"/>
           </a:p>
@@ -1515,7 +1515,7 @@
             <a:fld id="{1D8BD707-D9CF-40AE-B4C6-C98DA3205C09}" type="datetimeFigureOut">
               <a:rPr lang="en-US" smtClean="0"/>
               <a:pPr/>
-              <a:t>10/6/2020</a:t>
+              <a:t>10/7/2020</a:t>
             </a:fld>
             <a:endParaRPr lang="en-US"/>
           </a:p>
@@ -1680,7 +1680,7 @@
             <a:fld id="{1D8BD707-D9CF-40AE-B4C6-C98DA3205C09}" type="datetimeFigureOut">
               <a:rPr lang="en-US" smtClean="0"/>
               <a:pPr/>
-              <a:t>10/6/2020</a:t>
+              <a:t>10/7/2020</a:t>
             </a:fld>
             <a:endParaRPr lang="en-US"/>
           </a:p>
@@ -1922,7 +1922,7 @@
             <a:fld id="{1D8BD707-D9CF-40AE-B4C6-C98DA3205C09}" type="datetimeFigureOut">
               <a:rPr lang="en-US" smtClean="0"/>
               <a:pPr/>
-              <a:t>10/6/2020</a:t>
+              <a:t>10/7/2020</a:t>
             </a:fld>
             <a:endParaRPr lang="en-US"/>
           </a:p>
@@ -2204,7 +2204,7 @@
             <a:fld id="{1D8BD707-D9CF-40AE-B4C6-C98DA3205C09}" type="datetimeFigureOut">
               <a:rPr lang="en-US" smtClean="0"/>
               <a:pPr/>
-              <a:t>10/6/2020</a:t>
+              <a:t>10/7/2020</a:t>
             </a:fld>
             <a:endParaRPr lang="en-US"/>
           </a:p>
@@ -2620,7 +2620,7 @@
             <a:fld id="{1D8BD707-D9CF-40AE-B4C6-C98DA3205C09}" type="datetimeFigureOut">
               <a:rPr lang="en-US" smtClean="0"/>
               <a:pPr/>
-              <a:t>10/6/2020</a:t>
+              <a:t>10/7/2020</a:t>
             </a:fld>
             <a:endParaRPr lang="en-US"/>
           </a:p>
@@ -2734,7 +2734,7 @@
             <a:fld id="{1D8BD707-D9CF-40AE-B4C6-C98DA3205C09}" type="datetimeFigureOut">
               <a:rPr lang="en-US" smtClean="0"/>
               <a:pPr/>
-              <a:t>10/6/2020</a:t>
+              <a:t>10/7/2020</a:t>
             </a:fld>
             <a:endParaRPr lang="en-US"/>
           </a:p>
@@ -2826,7 +2826,7 @@
             <a:fld id="{1D8BD707-D9CF-40AE-B4C6-C98DA3205C09}" type="datetimeFigureOut">
               <a:rPr lang="en-US" smtClean="0"/>
               <a:pPr/>
-              <a:t>10/6/2020</a:t>
+              <a:t>10/7/2020</a:t>
             </a:fld>
             <a:endParaRPr lang="en-US"/>
           </a:p>
@@ -3098,7 +3098,7 @@
             <a:fld id="{1D8BD707-D9CF-40AE-B4C6-C98DA3205C09}" type="datetimeFigureOut">
               <a:rPr lang="en-US" smtClean="0"/>
               <a:pPr/>
-              <a:t>10/6/2020</a:t>
+              <a:t>10/7/2020</a:t>
             </a:fld>
             <a:endParaRPr lang="en-US"/>
           </a:p>
@@ -3347,7 +3347,7 @@
             <a:fld id="{1D8BD707-D9CF-40AE-B4C6-C98DA3205C09}" type="datetimeFigureOut">
               <a:rPr lang="en-US" smtClean="0"/>
               <a:pPr/>
-              <a:t>10/6/2020</a:t>
+              <a:t>10/7/2020</a:t>
             </a:fld>
             <a:endParaRPr lang="en-US"/>
           </a:p>
@@ -3555,7 +3555,7 @@
             <a:fld id="{1D8BD707-D9CF-40AE-B4C6-C98DA3205C09}" type="datetimeFigureOut">
               <a:rPr lang="en-US" smtClean="0"/>
               <a:pPr/>
-              <a:t>10/6/2020</a:t>
+              <a:t>10/7/2020</a:t>
             </a:fld>
             <a:endParaRPr lang="en-US"/>
           </a:p>
@@ -4183,7 +4183,23 @@
                   <a:srgbClr val="FF0000"/>
                 </a:solidFill>
               </a:rPr>
-              <a:t>Lab #4 due 10/13 ; code and/or links to afodor@uncc.edu</a:t>
+              <a:t>Lab #4 </a:t>
+            </a:r>
+            <a:r>
+              <a:rPr lang="en-US">
+                <a:solidFill>
+                  <a:srgbClr val="FF0000"/>
+                </a:solidFill>
+              </a:rPr>
+              <a:t>due 10/14 </a:t>
+            </a:r>
+            <a:r>
+              <a:rPr lang="en-US" dirty="0">
+                <a:solidFill>
+                  <a:srgbClr val="FF0000"/>
+                </a:solidFill>
+              </a:rPr>
+              <a:t>; code and/or links to afodor@uncc.edu</a:t>
             </a:r>
           </a:p>
         </p:txBody>
@@ -5425,7 +5441,7 @@
           <a:graphicData uri="http://schemas.openxmlformats.org/presentationml/2006/ole">
             <mc:AlternateContent xmlns:mc="http://schemas.openxmlformats.org/markup-compatibility/2006">
               <mc:Choice xmlns:v="urn:schemas-microsoft-com:vml" Requires="v">
-                <p:oleObj spid="_x0000_s1035" name="Bitmap Image" r:id="rId4" imgW="10657143" imgH="5761905" progId="Paint.Picture">
+                <p:oleObj spid="_x0000_s1036" name="Bitmap Image" r:id="rId4" imgW="10657143" imgH="5761905" progId="Paint.Picture">
                   <p:embed/>
                 </p:oleObj>
               </mc:Choice>
@@ -5593,7 +5609,7 @@
           <a:graphicData uri="http://schemas.openxmlformats.org/presentationml/2006/ole">
             <mc:AlternateContent xmlns:mc="http://schemas.openxmlformats.org/markup-compatibility/2006">
               <mc:Choice xmlns:v="urn:schemas-microsoft-com:vml" Requires="v">
-                <p:oleObj spid="_x0000_s2068" name="Bitmap Image" r:id="rId4" imgW="5477640" imgH="2638095" progId="Paint.Picture">
+                <p:oleObj spid="_x0000_s2070" name="Bitmap Image" r:id="rId4" imgW="5477640" imgH="2638095" progId="Paint.Picture">
                   <p:embed/>
                 </p:oleObj>
               </mc:Choice>
@@ -5885,7 +5901,7 @@
           <a:graphicData uri="http://schemas.openxmlformats.org/presentationml/2006/ole">
             <mc:AlternateContent xmlns:mc="http://schemas.openxmlformats.org/markup-compatibility/2006">
               <mc:Choice xmlns:v="urn:schemas-microsoft-com:vml" Requires="v">
-                <p:oleObj spid="_x0000_s2069" name="Bitmap Image" r:id="rId6" imgW="666667" imgH="819048" progId="Paint.Picture">
+                <p:oleObj spid="_x0000_s2071" name="Bitmap Image" r:id="rId6" imgW="666667" imgH="819048" progId="Paint.Picture">
                   <p:embed/>
                 </p:oleObj>
               </mc:Choice>
